--- a/documentation/05_Maven/doc/Java training 23- Maven - Repositories & Dependency.pptx
+++ b/documentation/05_Maven/doc/Java training 23- Maven - Repositories & Dependency.pptx
@@ -5,7 +5,7 @@
     <p:sldMasterId id="2147483660" r:id="rId1"/>
   </p:sldMasterIdLst>
   <p:notesMasterIdLst>
-    <p:notesMasterId r:id="rId20"/>
+    <p:notesMasterId r:id="rId21"/>
   </p:notesMasterIdLst>
   <p:sldIdLst>
     <p:sldId id="257" r:id="rId2"/>
@@ -26,6 +26,7 @@
     <p:sldId id="270" r:id="rId17"/>
     <p:sldId id="271" r:id="rId18"/>
     <p:sldId id="272" r:id="rId19"/>
+    <p:sldId id="277" r:id="rId20"/>
   </p:sldIdLst>
   <p:sldSz cx="9144000" cy="5143500" type="screen16x9"/>
   <p:notesSz cx="6858000" cy="9144000"/>
@@ -225,7 +226,7 @@
           <a:p>
             <a:fld id="{73A75711-008A-44DA-88BD-E3A055973083}" type="datetimeFigureOut">
               <a:rPr lang="hu-HU" smtClean="0"/>
-              <a:t>2016.03.03.</a:t>
+              <a:t>2016.03.04.</a:t>
             </a:fld>
             <a:endParaRPr lang="hu-HU"/>
           </a:p>
@@ -624,7 +625,7 @@
           <a:p>
             <a:fld id="{C6E8B002-83F0-41C5-A7B7-2819A96BD9B2}" type="datetimeFigureOut">
               <a:rPr lang="hu-HU" smtClean="0"/>
-              <a:t>2016.03.03.</a:t>
+              <a:t>2016.03.04.</a:t>
             </a:fld>
             <a:endParaRPr lang="hu-HU"/>
           </a:p>
@@ -794,7 +795,7 @@
           <a:p>
             <a:fld id="{C6E8B002-83F0-41C5-A7B7-2819A96BD9B2}" type="datetimeFigureOut">
               <a:rPr lang="hu-HU" smtClean="0"/>
-              <a:t>2016.03.03.</a:t>
+              <a:t>2016.03.04.</a:t>
             </a:fld>
             <a:endParaRPr lang="hu-HU"/>
           </a:p>
@@ -974,7 +975,7 @@
           <a:p>
             <a:fld id="{C6E8B002-83F0-41C5-A7B7-2819A96BD9B2}" type="datetimeFigureOut">
               <a:rPr lang="hu-HU" smtClean="0"/>
-              <a:t>2016.03.03.</a:t>
+              <a:t>2016.03.04.</a:t>
             </a:fld>
             <a:endParaRPr lang="hu-HU"/>
           </a:p>
@@ -1144,7 +1145,7 @@
           <a:p>
             <a:fld id="{C6E8B002-83F0-41C5-A7B7-2819A96BD9B2}" type="datetimeFigureOut">
               <a:rPr lang="hu-HU" smtClean="0"/>
-              <a:t>2016.03.03.</a:t>
+              <a:t>2016.03.04.</a:t>
             </a:fld>
             <a:endParaRPr lang="hu-HU"/>
           </a:p>
@@ -1388,7 +1389,7 @@
           <a:p>
             <a:fld id="{C6E8B002-83F0-41C5-A7B7-2819A96BD9B2}" type="datetimeFigureOut">
               <a:rPr lang="hu-HU" smtClean="0"/>
-              <a:t>2016.03.03.</a:t>
+              <a:t>2016.03.04.</a:t>
             </a:fld>
             <a:endParaRPr lang="hu-HU"/>
           </a:p>
@@ -1620,7 +1621,7 @@
           <a:p>
             <a:fld id="{C6E8B002-83F0-41C5-A7B7-2819A96BD9B2}" type="datetimeFigureOut">
               <a:rPr lang="hu-HU" smtClean="0"/>
-              <a:t>2016.03.03.</a:t>
+              <a:t>2016.03.04.</a:t>
             </a:fld>
             <a:endParaRPr lang="hu-HU"/>
           </a:p>
@@ -1987,7 +1988,7 @@
           <a:p>
             <a:fld id="{C6E8B002-83F0-41C5-A7B7-2819A96BD9B2}" type="datetimeFigureOut">
               <a:rPr lang="hu-HU" smtClean="0"/>
-              <a:t>2016.03.03.</a:t>
+              <a:t>2016.03.04.</a:t>
             </a:fld>
             <a:endParaRPr lang="hu-HU"/>
           </a:p>
@@ -2105,7 +2106,7 @@
           <a:p>
             <a:fld id="{C6E8B002-83F0-41C5-A7B7-2819A96BD9B2}" type="datetimeFigureOut">
               <a:rPr lang="hu-HU" smtClean="0"/>
-              <a:t>2016.03.03.</a:t>
+              <a:t>2016.03.04.</a:t>
             </a:fld>
             <a:endParaRPr lang="hu-HU"/>
           </a:p>
@@ -2200,7 +2201,7 @@
           <a:p>
             <a:fld id="{C6E8B002-83F0-41C5-A7B7-2819A96BD9B2}" type="datetimeFigureOut">
               <a:rPr lang="hu-HU" smtClean="0"/>
-              <a:t>2016.03.03.</a:t>
+              <a:t>2016.03.04.</a:t>
             </a:fld>
             <a:endParaRPr lang="hu-HU"/>
           </a:p>
@@ -2477,7 +2478,7 @@
           <a:p>
             <a:fld id="{C6E8B002-83F0-41C5-A7B7-2819A96BD9B2}" type="datetimeFigureOut">
               <a:rPr lang="hu-HU" smtClean="0"/>
-              <a:t>2016.03.03.</a:t>
+              <a:t>2016.03.04.</a:t>
             </a:fld>
             <a:endParaRPr lang="hu-HU"/>
           </a:p>
@@ -2734,7 +2735,7 @@
           <a:p>
             <a:fld id="{C6E8B002-83F0-41C5-A7B7-2819A96BD9B2}" type="datetimeFigureOut">
               <a:rPr lang="hu-HU" smtClean="0"/>
-              <a:t>2016.03.03.</a:t>
+              <a:t>2016.03.04.</a:t>
             </a:fld>
             <a:endParaRPr lang="hu-HU"/>
           </a:p>
@@ -2954,7 +2955,7 @@
           <a:p>
             <a:fld id="{C6E8B002-83F0-41C5-A7B7-2819A96BD9B2}" type="datetimeFigureOut">
               <a:rPr lang="hu-HU" smtClean="0"/>
-              <a:t>2016.03.03.</a:t>
+              <a:t>2016.03.04.</a:t>
             </a:fld>
             <a:endParaRPr lang="hu-HU"/>
           </a:p>
@@ -3523,13 +3524,6 @@
             </a:r>
             <a:endParaRPr lang="hu-HU" dirty="0" smtClean="0"/>
           </a:p>
-          <a:p>
-            <a:r>
-              <a:rPr lang="hu-HU" dirty="0" smtClean="0"/>
-              <a:t>Tranzitivitás </a:t>
-            </a:r>
-            <a:endParaRPr lang="hu-HU" dirty="0"/>
-          </a:p>
         </p:txBody>
       </p:sp>
     </p:spTree>
@@ -6503,6 +6497,148 @@
       </p:par>
     </p:tnLst>
   </p:timing>
+</p:sld>
+</file>
+
+<file path=ppt/slides/slide19.xml><?xml version="1.0" encoding="utf-8"?>
+<p:sld xmlns:a="http://schemas.openxmlformats.org/drawingml/2006/main" xmlns:r="http://schemas.openxmlformats.org/officeDocument/2006/relationships" xmlns:p="http://schemas.openxmlformats.org/presentationml/2006/main">
+  <p:cSld>
+    <p:spTree>
+      <p:nvGrpSpPr>
+        <p:cNvPr id="1" name=""/>
+        <p:cNvGrpSpPr/>
+        <p:nvPr/>
+      </p:nvGrpSpPr>
+      <p:grpSpPr>
+        <a:xfrm>
+          <a:off x="0" y="0"/>
+          <a:ext cx="0" cy="0"/>
+          <a:chOff x="0" y="0"/>
+          <a:chExt cx="0" cy="0"/>
+        </a:xfrm>
+      </p:grpSpPr>
+      <p:sp>
+        <p:nvSpPr>
+          <p:cNvPr id="2" name="Cím 1"/>
+          <p:cNvSpPr>
+            <a:spLocks noGrp="1"/>
+          </p:cNvSpPr>
+          <p:nvPr>
+            <p:ph type="title"/>
+          </p:nvPr>
+        </p:nvSpPr>
+        <p:spPr>
+          <a:xfrm>
+            <a:off x="628650" y="777551"/>
+            <a:ext cx="7886700" cy="490466"/>
+          </a:xfrm>
+        </p:spPr>
+        <p:txBody>
+          <a:bodyPr>
+            <a:normAutofit/>
+          </a:bodyPr>
+          <a:lstStyle/>
+          <a:p>
+            <a:r>
+              <a:rPr lang="hu-HU" sz="2400" dirty="0" err="1" smtClean="0"/>
+              <a:t>Archetypes</a:t>
+            </a:r>
+            <a:endParaRPr lang="hu-HU" sz="2400" dirty="0"/>
+          </a:p>
+        </p:txBody>
+      </p:sp>
+      <p:sp>
+        <p:nvSpPr>
+          <p:cNvPr id="3" name="Tartalom helye 2"/>
+          <p:cNvSpPr>
+            <a:spLocks noGrp="1"/>
+          </p:cNvSpPr>
+          <p:nvPr>
+            <p:ph idx="1"/>
+          </p:nvPr>
+        </p:nvSpPr>
+        <p:spPr/>
+        <p:txBody>
+          <a:bodyPr/>
+          <a:lstStyle/>
+          <a:p>
+            <a:r>
+              <a:rPr lang="hu-HU" dirty="0">
+                <a:hlinkClick r:id="rId2"/>
+              </a:rPr>
+              <a:t>https</a:t>
+            </a:r>
+            <a:r>
+              <a:rPr lang="hu-HU" dirty="0" smtClean="0">
+                <a:hlinkClick r:id="rId2"/>
+              </a:rPr>
+              <a:t>://maven.apache.org/guides/introduction/introduction-to-archetypes.html</a:t>
+            </a:r>
+            <a:endParaRPr lang="hu-HU" dirty="0" smtClean="0"/>
+          </a:p>
+          <a:p>
+            <a:r>
+              <a:rPr lang="hu-HU" dirty="0" err="1" smtClean="0"/>
+              <a:t>Templating</a:t>
+            </a:r>
+            <a:r>
+              <a:rPr lang="hu-HU" dirty="0" smtClean="0"/>
+              <a:t> </a:t>
+            </a:r>
+            <a:r>
+              <a:rPr lang="hu-HU" dirty="0" err="1" smtClean="0"/>
+              <a:t>tool</a:t>
+            </a:r>
+            <a:r>
+              <a:rPr lang="hu-HU" dirty="0" smtClean="0"/>
+              <a:t> </a:t>
+            </a:r>
+            <a:r>
+              <a:rPr lang="hu-HU" dirty="0" err="1" smtClean="0"/>
+              <a:t>maven</a:t>
+            </a:r>
+            <a:r>
+              <a:rPr lang="hu-HU" dirty="0" smtClean="0"/>
+              <a:t> projektek generálására</a:t>
+            </a:r>
+          </a:p>
+          <a:p>
+            <a:r>
+              <a:rPr lang="hu-HU" dirty="0" smtClean="0"/>
+              <a:t>Egyszerű </a:t>
+            </a:r>
+            <a:r>
+              <a:rPr lang="hu-HU" dirty="0" err="1" smtClean="0"/>
+              <a:t>maven</a:t>
+            </a:r>
+            <a:r>
+              <a:rPr lang="hu-HU" dirty="0" smtClean="0"/>
+              <a:t> projekt, web projekt, </a:t>
+            </a:r>
+            <a:r>
+              <a:rPr lang="hu-HU" dirty="0" err="1" smtClean="0"/>
+              <a:t>maven</a:t>
+            </a:r>
+            <a:r>
+              <a:rPr lang="hu-HU" dirty="0" smtClean="0"/>
+              <a:t> site</a:t>
+            </a:r>
+          </a:p>
+          <a:p>
+            <a:endParaRPr lang="hu-HU" dirty="0"/>
+          </a:p>
+        </p:txBody>
+      </p:sp>
+    </p:spTree>
+    <p:extLst>
+      <p:ext uri="{BB962C8B-B14F-4D97-AF65-F5344CB8AC3E}">
+        <p14:creationId xmlns:p14="http://schemas.microsoft.com/office/powerpoint/2010/main" val="1554576945"/>
+      </p:ext>
+    </p:extLst>
+  </p:cSld>
+  <p:clrMapOvr>
+    <a:masterClrMapping/>
+  </p:clrMapOvr>
 </p:sld>
 </file>
 
